--- a/Proyecto_2_DS.pptx
+++ b/Proyecto_2_DS.pptx
@@ -6375,6 +6375,37 @@
               </a:rPr>
               <a:t>Matriz 32 x 3, cada columna corresponde a un partido y cada fila a un departamento</a:t>
             </a:r>
+          </a:p>
+          <a:p>
+            <a:pPr lvl="1"/>
+            <a:r>
+              <a:rPr lang="es-CO" cap="none" dirty="0"/>
+              <a:t>Datos 2022 obtenidos de </a:t>
+            </a:r>
+            <a:r>
+              <a:rPr lang="es-CO" cap="none" dirty="0">
+                <a:hlinkClick r:id="rId2"/>
+              </a:rPr>
+              <a:t>https://resultados.registraduria.gov.co/senado/0/colombia</a:t>
+            </a:r>
+            <a:endParaRPr lang="es-CO" cap="none" dirty="0"/>
+          </a:p>
+          <a:p>
+            <a:pPr lvl="1"/>
+            <a:r>
+              <a:rPr lang="es-CO" cap="none" dirty="0"/>
+              <a:t>Datos 2018 obtenidos de </a:t>
+            </a:r>
+            <a:r>
+              <a:rPr lang="es-CO" cap="none" dirty="0">
+                <a:hlinkClick r:id="rId3"/>
+              </a:rPr>
+              <a:t>https://elecciones.registraduria.gov.co:81/elec20180311/resultados/99SE/BXXXX/DSE99999.htm</a:t>
+            </a:r>
+            <a:endParaRPr lang="es-CO" cap="none" dirty="0"/>
+          </a:p>
+          <a:p>
+            <a:pPr lvl="1"/>
             <a:endParaRPr lang="es-CO" cap="none" dirty="0"/>
           </a:p>
         </p:txBody>
@@ -7155,8 +7186,8 @@
         </p:blipFill>
         <p:spPr>
           <a:xfrm>
-            <a:off x="8156396" y="957486"/>
-            <a:ext cx="2474886" cy="4935130"/>
+            <a:off x="6998947" y="116081"/>
+            <a:ext cx="4530035" cy="6625836"/>
           </a:xfrm>
           <a:prstGeom prst="roundRect">
             <a:avLst>
